--- a/img/proxy.pptx
+++ b/img/proxy.pptx
@@ -151,7 +151,7 @@
       </p14:sectionLst>
     </p:ext>
     <p:ext uri="{EFAFB233-063F-42B5-8137-9DF3F51BA10A}">
-      <p15:sldGuideLst xmlns="" xmlns:p15="http://schemas.microsoft.com/office/powerpoint/2012/main">
+      <p15:sldGuideLst xmlns:p15="http://schemas.microsoft.com/office/powerpoint/2012/main" xmlns="">
         <p15:guide id="1" orient="horz" pos="2160">
           <p15:clr>
             <a:srgbClr val="A4A3A4"/>
@@ -165,7 +165,7 @@
       </p15:sldGuideLst>
     </p:ext>
     <p:ext uri="{2D200454-40CA-4A62-9FC3-DE9A4176ACB9}">
-      <p15:notesGuideLst xmlns="" xmlns:p15="http://schemas.microsoft.com/office/powerpoint/2012/main">
+      <p15:notesGuideLst xmlns:p15="http://schemas.microsoft.com/office/powerpoint/2012/main" xmlns="">
         <p15:guide id="1" orient="horz" pos="3223">
           <p15:clr>
             <a:srgbClr val="A4A3A4"/>
@@ -1991,7 +1991,7 @@
           <a:lstStyle/>
           <a:p>
             <a:pPr algn="ctr"/>
-            <a:endParaRPr kumimoji="1" lang="ja-JP" altLang="en-US"/>
+            <a:endParaRPr kumimoji="1" lang="ja-JP" altLang="en-US" sz="1050"/>
           </a:p>
         </p:txBody>
       </p:sp>
@@ -2047,7 +2047,7 @@
                       <m:sSub>
                         <m:sSubPr>
                           <m:ctrlPr>
-                            <a:rPr kumimoji="1" lang="en-US" altLang="ja-JP" sz="1200" b="0" i="1" smtClean="0">
+                            <a:rPr kumimoji="1" lang="en-US" altLang="ja-JP" sz="1050" b="0" i="1" smtClean="0">
                               <a:solidFill>
                                 <a:schemeClr val="tx1"/>
                               </a:solidFill>
@@ -2057,7 +2057,7 @@
                         </m:sSubPr>
                         <m:e>
                           <m:r>
-                            <a:rPr kumimoji="1" lang="en-US" altLang="ja-JP" sz="1200" b="0" i="1" smtClean="0">
+                            <a:rPr kumimoji="1" lang="en-US" altLang="ja-JP" sz="1050" b="0" i="1" smtClean="0">
                               <a:solidFill>
                                 <a:schemeClr val="tx1"/>
                               </a:solidFill>
@@ -2068,7 +2068,7 @@
                         </m:e>
                         <m:sub>
                           <m:r>
-                            <a:rPr kumimoji="1" lang="en-US" altLang="ja-JP" sz="1200" b="0" i="1" smtClean="0">
+                            <a:rPr kumimoji="1" lang="en-US" altLang="ja-JP" sz="1050" b="0" i="1" smtClean="0">
                               <a:solidFill>
                                 <a:schemeClr val="tx1"/>
                               </a:solidFill>
@@ -2081,7 +2081,7 @@
                     </m:oMath>
                   </m:oMathPara>
                 </a14:m>
-                <a:endParaRPr kumimoji="1" lang="ja-JP" altLang="en-US"/>
+                <a:endParaRPr kumimoji="1" lang="ja-JP" altLang="en-US" sz="1050"/>
               </a:p>
             </p:txBody>
           </p:sp>
@@ -2106,7 +2106,7 @@
               <a:blipFill rotWithShape="1">
                 <a:blip r:embed="rId2"/>
                 <a:stretch>
-                  <a:fillRect b="-2778"/>
+                  <a:fillRect/>
                 </a:stretch>
               </a:blipFill>
               <a:ln w="6350">
@@ -2170,8 +2170,8 @@
           </a:fontRef>
         </p:style>
       </p:cxnSp>
-      <mc:AlternateContent xmlns:mc="http://schemas.openxmlformats.org/markup-compatibility/2006" xmlns:a14="http://schemas.microsoft.com/office/drawing/2010/main">
-        <mc:Choice Requires="a14">
+      <mc:AlternateContent xmlns:mc="http://schemas.openxmlformats.org/markup-compatibility/2006">
+        <mc:Choice xmlns:a14="http://schemas.microsoft.com/office/drawing/2010/main" Requires="a14">
           <p:sp useBgFill="1">
             <p:nvSpPr>
               <p:cNvPr id="51" name="角丸四角形 50"/>
@@ -2220,7 +2220,7 @@
                     </m:oMathParaPr>
                     <m:oMath xmlns:m="http://schemas.openxmlformats.org/officeDocument/2006/math">
                       <m:r>
-                        <a:rPr kumimoji="1" lang="en-US" altLang="ja-JP" sz="1200" b="0" i="1" smtClean="0">
+                        <a:rPr kumimoji="1" lang="en-US" altLang="ja-JP" sz="1050" b="0" i="1" smtClean="0">
                           <a:solidFill>
                             <a:schemeClr val="tx1"/>
                           </a:solidFill>
@@ -2231,12 +2231,12 @@
                     </m:oMath>
                   </m:oMathPara>
                 </a14:m>
-                <a:endParaRPr kumimoji="1" lang="ja-JP" altLang="en-US"/>
+                <a:endParaRPr kumimoji="1" lang="ja-JP" altLang="en-US" sz="1050"/>
               </a:p>
             </p:txBody>
           </p:sp>
         </mc:Choice>
-        <mc:Fallback xmlns="">
+        <mc:Fallback>
           <p:sp useBgFill="1">
             <p:nvSpPr>
               <p:cNvPr id="51" name="角丸四角形 50"/>
@@ -2332,7 +2332,7 @@
                       <m:sSub>
                         <m:sSubPr>
                           <m:ctrlPr>
-                            <a:rPr kumimoji="1" lang="en-US" altLang="ja-JP" sz="1200" b="0" i="1" smtClean="0">
+                            <a:rPr kumimoji="1" lang="en-US" altLang="ja-JP" sz="1050" b="0" i="1" smtClean="0">
                               <a:solidFill>
                                 <a:schemeClr val="tx1"/>
                               </a:solidFill>
@@ -2342,7 +2342,7 @@
                         </m:sSubPr>
                         <m:e>
                           <m:r>
-                            <a:rPr kumimoji="1" lang="en-US" altLang="ja-JP" sz="1200" b="0" i="1" smtClean="0">
+                            <a:rPr kumimoji="1" lang="en-US" altLang="ja-JP" sz="1050" b="0" i="1" smtClean="0">
                               <a:solidFill>
                                 <a:schemeClr val="tx1"/>
                               </a:solidFill>
@@ -2353,7 +2353,7 @@
                         </m:e>
                         <m:sub>
                           <m:r>
-                            <a:rPr kumimoji="1" lang="en-US" altLang="ja-JP" sz="1200" b="0" i="1" smtClean="0">
+                            <a:rPr kumimoji="1" lang="en-US" altLang="ja-JP" sz="1050" b="0" i="1" smtClean="0">
                               <a:solidFill>
                                 <a:schemeClr val="tx1"/>
                               </a:solidFill>
@@ -2366,7 +2366,7 @@
                     </m:oMath>
                   </m:oMathPara>
                 </a14:m>
-                <a:endParaRPr kumimoji="1" lang="ja-JP" altLang="en-US"/>
+                <a:endParaRPr kumimoji="1" lang="ja-JP" altLang="en-US" sz="1050"/>
               </a:p>
             </p:txBody>
           </p:sp>
@@ -2415,8 +2415,8 @@
           </p:sp>
         </mc:Fallback>
       </mc:AlternateContent>
-      <mc:AlternateContent xmlns:mc="http://schemas.openxmlformats.org/markup-compatibility/2006" xmlns:a14="http://schemas.microsoft.com/office/drawing/2010/main">
-        <mc:Choice Requires="a14">
+      <mc:AlternateContent xmlns:mc="http://schemas.openxmlformats.org/markup-compatibility/2006">
+        <mc:Choice xmlns:a14="http://schemas.microsoft.com/office/drawing/2010/main" Requires="a14">
           <p:sp useBgFill="1">
             <p:nvSpPr>
               <p:cNvPr id="35" name="角丸四角形 34"/>
@@ -2465,7 +2465,7 @@
                     </m:oMathParaPr>
                     <m:oMath xmlns:m="http://schemas.openxmlformats.org/officeDocument/2006/math">
                       <m:r>
-                        <a:rPr kumimoji="1" lang="en-US" altLang="ja-JP" sz="1200" b="0" i="1" smtClean="0">
+                        <a:rPr kumimoji="1" lang="en-US" altLang="ja-JP" sz="1050" b="0" i="1" smtClean="0">
                           <a:solidFill>
                             <a:schemeClr val="tx1"/>
                           </a:solidFill>
@@ -2476,12 +2476,12 @@
                     </m:oMath>
                   </m:oMathPara>
                 </a14:m>
-                <a:endParaRPr kumimoji="1" lang="ja-JP" altLang="en-US"/>
+                <a:endParaRPr kumimoji="1" lang="ja-JP" altLang="en-US" sz="1050"/>
               </a:p>
             </p:txBody>
           </p:sp>
         </mc:Choice>
-        <mc:Fallback xmlns="">
+        <mc:Fallback>
           <p:sp useBgFill="1">
             <p:nvSpPr>
               <p:cNvPr id="35" name="角丸四角形 34"/>
@@ -2536,7 +2536,7 @@
             <p:spPr>
               <a:xfrm>
                 <a:off x="521036" y="693812"/>
-                <a:ext cx="648840" cy="246265"/>
+                <a:ext cx="648840" cy="219975"/>
               </a:xfrm>
               <a:prstGeom prst="rect">
                 <a:avLst/>
@@ -2560,18 +2560,10 @@
                       <m:jc m:val="centerGroup"/>
                     </m:oMathParaPr>
                     <m:oMath xmlns:m="http://schemas.openxmlformats.org/officeDocument/2006/math">
-                      <m:r>
-                        <a:rPr lang="en-US" altLang="ja-JP" sz="1200" b="0" i="1" smtClean="0">
-                          <a:latin typeface="Cambria Math"/>
-                          <a:ea typeface="ＭＳ ゴシック" pitchFamily="49" charset="-128"/>
-                          <a:cs typeface="Courier New" pitchFamily="49" charset="0"/>
-                        </a:rPr>
-                        <m:t>𝐸𝑛</m:t>
-                      </m:r>
                       <m:sSub>
                         <m:sSubPr>
                           <m:ctrlPr>
-                            <a:rPr lang="en-US" altLang="ja-JP" sz="1200" b="0" i="1" smtClean="0">
+                            <a:rPr lang="en-US" altLang="ja-JP" sz="1050" b="0" i="1" smtClean="0">
                               <a:latin typeface="Cambria Math"/>
                               <a:ea typeface="ＭＳ ゴシック" pitchFamily="49" charset="-128"/>
                               <a:cs typeface="Courier New" pitchFamily="49" charset="0"/>
@@ -2582,7 +2574,7 @@
                           <m:sSub>
                             <m:sSubPr>
                               <m:ctrlPr>
-                                <a:rPr lang="en-US" altLang="ja-JP" sz="1200" b="0" i="1" smtClean="0">
+                                <a:rPr lang="en-US" altLang="ja-JP" sz="1050" b="0" i="1" smtClean="0">
                                   <a:latin typeface="Cambria Math"/>
                                   <a:ea typeface="ＭＳ ゴシック" pitchFamily="49" charset="-128"/>
                                   <a:cs typeface="Courier New" pitchFamily="49" charset="0"/>
@@ -2591,17 +2583,20 @@
                             </m:sSubPr>
                             <m:e>
                               <m:r>
-                                <a:rPr lang="en-US" altLang="ja-JP" sz="1200" b="0" i="1" smtClean="0">
+                                <m:rPr>
+                                  <m:sty m:val="p"/>
+                                </m:rPr>
+                                <a:rPr lang="en-US" altLang="ja-JP" sz="1050" b="0" i="0" smtClean="0">
                                   <a:latin typeface="Cambria Math"/>
                                   <a:ea typeface="ＭＳ ゴシック" pitchFamily="49" charset="-128"/>
                                   <a:cs typeface="Courier New" pitchFamily="49" charset="0"/>
                                 </a:rPr>
-                                <m:t>𝑐</m:t>
+                                <m:t>Enc</m:t>
                               </m:r>
                             </m:e>
                             <m:sub>
                               <m:r>
-                                <a:rPr lang="en-US" altLang="ja-JP" sz="1200" b="0" i="1" smtClean="0">
+                                <a:rPr lang="en-US" altLang="ja-JP" sz="1050" b="0" i="1" smtClean="0">
                                   <a:latin typeface="Cambria Math"/>
                                   <a:ea typeface="ＭＳ ゴシック" pitchFamily="49" charset="-128"/>
                                   <a:cs typeface="Courier New" pitchFamily="49" charset="0"/>
@@ -2613,7 +2608,7 @@
                         </m:e>
                         <m:sub>
                           <m:r>
-                            <a:rPr lang="en-US" altLang="ja-JP" sz="1200" b="0" i="1" smtClean="0">
+                            <a:rPr lang="en-US" altLang="ja-JP" sz="1050" b="0" i="1" smtClean="0">
                               <a:latin typeface="Cambria Math"/>
                               <a:ea typeface="ＭＳ ゴシック" pitchFamily="49" charset="-128"/>
                               <a:cs typeface="Courier New" pitchFamily="49" charset="0"/>
@@ -2625,7 +2620,7 @@
                     </m:oMath>
                   </m:oMathPara>
                 </a14:m>
-                <a:endParaRPr lang="ja-JP" altLang="en-US" sz="1200">
+                <a:endParaRPr lang="ja-JP" altLang="en-US" sz="1050">
                   <a:latin typeface="Courier New" pitchFamily="49" charset="0"/>
                   <a:ea typeface="ＭＳ ゴシック" pitchFamily="49" charset="-128"/>
                   <a:cs typeface="Courier New" pitchFamily="49" charset="0"/>
@@ -2646,7 +2641,7 @@
             <p:spPr>
               <a:xfrm>
                 <a:off x="521036" y="693812"/>
-                <a:ext cx="648840" cy="246265"/>
+                <a:ext cx="648840" cy="219975"/>
               </a:xfrm>
               <a:prstGeom prst="rect">
                 <a:avLst/>
@@ -2654,7 +2649,7 @@
               <a:blipFill rotWithShape="1">
                 <a:blip r:embed="rId6"/>
                 <a:stretch>
-                  <a:fillRect b="-7500"/>
+                  <a:fillRect b="-2778"/>
                 </a:stretch>
               </a:blipFill>
               <a:ln w="9525" cap="rnd">
@@ -2757,8 +2752,8 @@
           </a:fontRef>
         </p:style>
       </p:cxnSp>
-      <mc:AlternateContent xmlns:mc="http://schemas.openxmlformats.org/markup-compatibility/2006" xmlns:a14="http://schemas.microsoft.com/office/drawing/2010/main">
-        <mc:Choice Requires="a14">
+      <mc:AlternateContent xmlns:mc="http://schemas.openxmlformats.org/markup-compatibility/2006">
+        <mc:Choice xmlns:a14="http://schemas.microsoft.com/office/drawing/2010/main" Requires="a14">
           <p:sp useBgFill="1">
             <p:nvSpPr>
               <p:cNvPr id="70" name="角丸四角形 69"/>
@@ -2807,7 +2802,7 @@
                     </m:oMathParaPr>
                     <m:oMath xmlns:m="http://schemas.openxmlformats.org/officeDocument/2006/math">
                       <m:r>
-                        <a:rPr kumimoji="1" lang="en-US" altLang="ja-JP" sz="1200" b="0" i="1" smtClean="0">
+                        <a:rPr kumimoji="1" lang="en-US" altLang="ja-JP" sz="1050" b="0" i="1" smtClean="0">
                           <a:solidFill>
                             <a:schemeClr val="tx1"/>
                           </a:solidFill>
@@ -2818,12 +2813,12 @@
                     </m:oMath>
                   </m:oMathPara>
                 </a14:m>
-                <a:endParaRPr kumimoji="1" lang="ja-JP" altLang="en-US"/>
+                <a:endParaRPr kumimoji="1" lang="ja-JP" altLang="en-US" sz="1050"/>
               </a:p>
             </p:txBody>
           </p:sp>
         </mc:Choice>
-        <mc:Fallback xmlns="">
+        <mc:Fallback>
           <p:sp useBgFill="1">
             <p:nvSpPr>
               <p:cNvPr id="70" name="角丸四角形 69"/>
@@ -2916,7 +2911,7 @@
         <p:spPr>
           <a:xfrm>
             <a:off x="2394012" y="981845"/>
-            <a:ext cx="1224136" cy="412849"/>
+            <a:ext cx="1224136" cy="366682"/>
           </a:xfrm>
           <a:prstGeom prst="rect">
             <a:avLst/>
@@ -2934,7 +2929,7 @@
           <a:lstStyle/>
           <a:p>
             <a:r>
-              <a:rPr lang="ja-JP" altLang="en-US" sz="1200" smtClean="0">
+              <a:rPr lang="ja-JP" altLang="en-US" sz="1050" smtClean="0">
                 <a:latin typeface="HG丸ｺﾞｼｯｸM-PRO" panose="020F0600000000000000" pitchFamily="50" charset="-128"/>
                 <a:ea typeface="HG丸ｺﾞｼｯｸM-PRO" panose="020F0600000000000000" pitchFamily="50" charset="-128"/>
                 <a:cs typeface="Courier New" pitchFamily="49" charset="0"/>
@@ -2942,7 +2937,7 @@
               <a:t>点線内の操作を</a:t>
             </a:r>
             <a:r>
-              <a:rPr lang="en-US" altLang="ja-JP" sz="1200" smtClean="0">
+              <a:rPr lang="en-US" altLang="ja-JP" sz="1050" smtClean="0">
                 <a:latin typeface="HG丸ｺﾞｼｯｸM-PRO" panose="020F0600000000000000" pitchFamily="50" charset="-128"/>
                 <a:ea typeface="HG丸ｺﾞｼｯｸM-PRO" panose="020F0600000000000000" pitchFamily="50" charset="-128"/>
                 <a:cs typeface="Courier New" pitchFamily="49" charset="0"/>
@@ -2950,21 +2945,21 @@
               <a:t/>
             </a:r>
             <a:br>
-              <a:rPr lang="en-US" altLang="ja-JP" sz="1200" smtClean="0">
+              <a:rPr lang="en-US" altLang="ja-JP" sz="1050" smtClean="0">
                 <a:latin typeface="HG丸ｺﾞｼｯｸM-PRO" panose="020F0600000000000000" pitchFamily="50" charset="-128"/>
                 <a:ea typeface="HG丸ｺﾞｼｯｸM-PRO" panose="020F0600000000000000" pitchFamily="50" charset="-128"/>
                 <a:cs typeface="Courier New" pitchFamily="49" charset="0"/>
               </a:rPr>
             </a:br>
             <a:r>
-              <a:rPr lang="ja-JP" altLang="en-US" sz="1200" smtClean="0">
+              <a:rPr lang="ja-JP" altLang="en-US" sz="1050" smtClean="0">
                 <a:latin typeface="HG丸ｺﾞｼｯｸM-PRO" panose="020F0600000000000000" pitchFamily="50" charset="-128"/>
                 <a:ea typeface="HG丸ｺﾞｼｯｸM-PRO" panose="020F0600000000000000" pitchFamily="50" charset="-128"/>
                 <a:cs typeface="Courier New" pitchFamily="49" charset="0"/>
               </a:rPr>
               <a:t>復号せずに行う</a:t>
             </a:r>
-            <a:endParaRPr lang="ja-JP" altLang="en-US" sz="1200">
+            <a:endParaRPr lang="ja-JP" altLang="en-US" sz="1050">
               <a:latin typeface="HG丸ｺﾞｼｯｸM-PRO" panose="020F0600000000000000" pitchFamily="50" charset="-128"/>
               <a:ea typeface="HG丸ｺﾞｼｯｸM-PRO" panose="020F0600000000000000" pitchFamily="50" charset="-128"/>
               <a:cs typeface="Courier New" pitchFamily="49" charset="0"/>
@@ -2981,7 +2976,7 @@
         <p:spPr>
           <a:xfrm>
             <a:off x="1418971" y="1942309"/>
-            <a:ext cx="1354539" cy="228183"/>
+            <a:ext cx="1354539" cy="205100"/>
           </a:xfrm>
           <a:prstGeom prst="rect">
             <a:avLst/>
@@ -2999,14 +2994,14 @@
           <a:lstStyle/>
           <a:p>
             <a:r>
-              <a:rPr lang="ja-JP" altLang="en-US" sz="1200" smtClean="0">
+              <a:rPr lang="ja-JP" altLang="en-US" sz="1050" smtClean="0">
                 <a:latin typeface="HG丸ｺﾞｼｯｸM-PRO" panose="020F0600000000000000" pitchFamily="50" charset="-128"/>
                 <a:ea typeface="HG丸ｺﾞｼｯｸM-PRO" panose="020F0600000000000000" pitchFamily="50" charset="-128"/>
                 <a:cs typeface="Courier New" pitchFamily="49" charset="0"/>
               </a:rPr>
               <a:t>プロキシ再暗号化</a:t>
             </a:r>
-            <a:endParaRPr lang="ja-JP" altLang="en-US" sz="1200">
+            <a:endParaRPr lang="ja-JP" altLang="en-US" sz="1050">
               <a:latin typeface="HG丸ｺﾞｼｯｸM-PRO" panose="020F0600000000000000" pitchFamily="50" charset="-128"/>
               <a:ea typeface="HG丸ｺﾞｼｯｸM-PRO" panose="020F0600000000000000" pitchFamily="50" charset="-128"/>
               <a:cs typeface="Courier New" pitchFamily="49" charset="0"/>
@@ -3025,7 +3020,7 @@
             <p:spPr>
               <a:xfrm>
                 <a:off x="1349896" y="693812"/>
-                <a:ext cx="648840" cy="246265"/>
+                <a:ext cx="648840" cy="219975"/>
               </a:xfrm>
               <a:prstGeom prst="rect">
                 <a:avLst/>
@@ -3049,18 +3044,10 @@
                       <m:jc m:val="centerGroup"/>
                     </m:oMathParaPr>
                     <m:oMath xmlns:m="http://schemas.openxmlformats.org/officeDocument/2006/math">
-                      <m:r>
-                        <a:rPr lang="en-US" altLang="ja-JP" sz="1200" b="0" i="1" smtClean="0">
-                          <a:latin typeface="Cambria Math"/>
-                          <a:ea typeface="ＭＳ ゴシック" pitchFamily="49" charset="-128"/>
-                          <a:cs typeface="Courier New" pitchFamily="49" charset="0"/>
-                        </a:rPr>
-                        <m:t>𝐷𝑒</m:t>
-                      </m:r>
                       <m:sSub>
                         <m:sSubPr>
                           <m:ctrlPr>
-                            <a:rPr lang="en-US" altLang="ja-JP" sz="1200" b="0" i="1" smtClean="0">
+                            <a:rPr lang="en-US" altLang="ja-JP" sz="1050" b="0" i="1" smtClean="0">
                               <a:latin typeface="Cambria Math"/>
                               <a:ea typeface="ＭＳ ゴシック" pitchFamily="49" charset="-128"/>
                               <a:cs typeface="Courier New" pitchFamily="49" charset="0"/>
@@ -3071,7 +3058,7 @@
                           <m:sSub>
                             <m:sSubPr>
                               <m:ctrlPr>
-                                <a:rPr lang="en-US" altLang="ja-JP" sz="1200" b="0" i="1" smtClean="0">
+                                <a:rPr lang="en-US" altLang="ja-JP" sz="1050" b="0" i="1" smtClean="0">
                                   <a:latin typeface="Cambria Math"/>
                                   <a:ea typeface="ＭＳ ゴシック" pitchFamily="49" charset="-128"/>
                                   <a:cs typeface="Courier New" pitchFamily="49" charset="0"/>
@@ -3080,17 +3067,20 @@
                             </m:sSubPr>
                             <m:e>
                               <m:r>
-                                <a:rPr lang="en-US" altLang="ja-JP" sz="1200" b="0" i="1" smtClean="0">
+                                <m:rPr>
+                                  <m:sty m:val="p"/>
+                                </m:rPr>
+                                <a:rPr lang="en-US" altLang="ja-JP" sz="1050" b="0" i="0" smtClean="0">
                                   <a:latin typeface="Cambria Math"/>
                                   <a:ea typeface="ＭＳ ゴシック" pitchFamily="49" charset="-128"/>
                                   <a:cs typeface="Courier New" pitchFamily="49" charset="0"/>
                                 </a:rPr>
-                                <m:t>𝑐</m:t>
+                                <m:t>Dec</m:t>
                               </m:r>
                             </m:e>
                             <m:sub>
                               <m:r>
-                                <a:rPr lang="en-US" altLang="ja-JP" sz="1200" b="0" i="1" smtClean="0">
+                                <a:rPr lang="en-US" altLang="ja-JP" sz="1050" b="0" i="1" smtClean="0">
                                   <a:latin typeface="Cambria Math"/>
                                   <a:ea typeface="ＭＳ ゴシック" pitchFamily="49" charset="-128"/>
                                   <a:cs typeface="Courier New" pitchFamily="49" charset="0"/>
@@ -3102,7 +3092,7 @@
                         </m:e>
                         <m:sub>
                           <m:r>
-                            <a:rPr lang="en-US" altLang="ja-JP" sz="1200" b="0" i="1" smtClean="0">
+                            <a:rPr lang="en-US" altLang="ja-JP" sz="1050" b="0" i="1" smtClean="0">
                               <a:latin typeface="Cambria Math"/>
                               <a:ea typeface="ＭＳ ゴシック" pitchFamily="49" charset="-128"/>
                               <a:cs typeface="Courier New" pitchFamily="49" charset="0"/>
@@ -3114,7 +3104,7 @@
                     </m:oMath>
                   </m:oMathPara>
                 </a14:m>
-                <a:endParaRPr lang="ja-JP" altLang="en-US" sz="1200">
+                <a:endParaRPr lang="ja-JP" altLang="en-US" sz="1050">
                   <a:latin typeface="Courier New" pitchFamily="49" charset="0"/>
                   <a:ea typeface="ＭＳ ゴシック" pitchFamily="49" charset="-128"/>
                   <a:cs typeface="Courier New" pitchFamily="49" charset="0"/>
@@ -3135,7 +3125,7 @@
             <p:spPr>
               <a:xfrm>
                 <a:off x="1349896" y="693812"/>
-                <a:ext cx="648840" cy="246265"/>
+                <a:ext cx="648840" cy="219975"/>
               </a:xfrm>
               <a:prstGeom prst="rect">
                 <a:avLst/>
@@ -3143,7 +3133,7 @@
               <a:blipFill rotWithShape="1">
                 <a:blip r:embed="rId8"/>
                 <a:stretch>
-                  <a:fillRect b="-7500"/>
+                  <a:fillRect b="-2778"/>
                 </a:stretch>
               </a:blipFill>
               <a:ln w="9525" cap="rnd">
@@ -3177,7 +3167,7 @@
             <p:spPr>
               <a:xfrm>
                 <a:off x="2141984" y="693812"/>
-                <a:ext cx="648840" cy="246265"/>
+                <a:ext cx="648840" cy="219975"/>
               </a:xfrm>
               <a:prstGeom prst="rect">
                 <a:avLst/>
@@ -3201,18 +3191,10 @@
                       <m:jc m:val="centerGroup"/>
                     </m:oMathParaPr>
                     <m:oMath xmlns:m="http://schemas.openxmlformats.org/officeDocument/2006/math">
-                      <m:r>
-                        <a:rPr lang="en-US" altLang="ja-JP" sz="1200" b="0" i="1" smtClean="0">
-                          <a:latin typeface="Cambria Math"/>
-                          <a:ea typeface="ＭＳ ゴシック" pitchFamily="49" charset="-128"/>
-                          <a:cs typeface="Courier New" pitchFamily="49" charset="0"/>
-                        </a:rPr>
-                        <m:t>𝐸𝑛</m:t>
-                      </m:r>
                       <m:sSub>
                         <m:sSubPr>
                           <m:ctrlPr>
-                            <a:rPr lang="en-US" altLang="ja-JP" sz="1200" b="0" i="1" smtClean="0">
+                            <a:rPr lang="en-US" altLang="ja-JP" sz="1050" b="0" i="1" smtClean="0">
                               <a:latin typeface="Cambria Math"/>
                               <a:ea typeface="ＭＳ ゴシック" pitchFamily="49" charset="-128"/>
                               <a:cs typeface="Courier New" pitchFamily="49" charset="0"/>
@@ -3223,7 +3205,7 @@
                           <m:sSub>
                             <m:sSubPr>
                               <m:ctrlPr>
-                                <a:rPr lang="en-US" altLang="ja-JP" sz="1200" b="0" i="1" smtClean="0">
+                                <a:rPr lang="en-US" altLang="ja-JP" sz="1050" b="0" i="1" smtClean="0">
                                   <a:latin typeface="Cambria Math"/>
                                   <a:ea typeface="ＭＳ ゴシック" pitchFamily="49" charset="-128"/>
                                   <a:cs typeface="Courier New" pitchFamily="49" charset="0"/>
@@ -3232,17 +3214,20 @@
                             </m:sSubPr>
                             <m:e>
                               <m:r>
-                                <a:rPr lang="en-US" altLang="ja-JP" sz="1200" b="0" i="1" smtClean="0">
+                                <m:rPr>
+                                  <m:sty m:val="p"/>
+                                </m:rPr>
+                                <a:rPr lang="en-US" altLang="ja-JP" sz="1050" b="0" i="0" smtClean="0">
                                   <a:latin typeface="Cambria Math"/>
                                   <a:ea typeface="ＭＳ ゴシック" pitchFamily="49" charset="-128"/>
                                   <a:cs typeface="Courier New" pitchFamily="49" charset="0"/>
                                 </a:rPr>
-                                <m:t>𝑐</m:t>
+                                <m:t>Enc</m:t>
                               </m:r>
                             </m:e>
                             <m:sub>
                               <m:r>
-                                <a:rPr lang="en-US" altLang="ja-JP" sz="1200" b="0" i="1" smtClean="0">
+                                <a:rPr lang="en-US" altLang="ja-JP" sz="1050" b="0" i="1" smtClean="0">
                                   <a:latin typeface="Cambria Math"/>
                                   <a:ea typeface="ＭＳ ゴシック" pitchFamily="49" charset="-128"/>
                                   <a:cs typeface="Courier New" pitchFamily="49" charset="0"/>
@@ -3254,7 +3239,7 @@
                         </m:e>
                         <m:sub>
                           <m:r>
-                            <a:rPr lang="en-US" altLang="ja-JP" sz="1200" b="0" i="1" smtClean="0">
+                            <a:rPr lang="en-US" altLang="ja-JP" sz="1050" b="0" i="1" smtClean="0">
                               <a:latin typeface="Cambria Math"/>
                               <a:ea typeface="ＭＳ ゴシック" pitchFamily="49" charset="-128"/>
                               <a:cs typeface="Courier New" pitchFamily="49" charset="0"/>
@@ -3266,7 +3251,7 @@
                     </m:oMath>
                   </m:oMathPara>
                 </a14:m>
-                <a:endParaRPr lang="ja-JP" altLang="en-US" sz="1200">
+                <a:endParaRPr lang="ja-JP" altLang="en-US" sz="1050">
                   <a:latin typeface="Courier New" pitchFamily="49" charset="0"/>
                   <a:ea typeface="ＭＳ ゴシック" pitchFamily="49" charset="-128"/>
                   <a:cs typeface="Courier New" pitchFamily="49" charset="0"/>
@@ -3287,7 +3272,7 @@
             <p:spPr>
               <a:xfrm>
                 <a:off x="2141984" y="693812"/>
-                <a:ext cx="648840" cy="246265"/>
+                <a:ext cx="648840" cy="219975"/>
               </a:xfrm>
               <a:prstGeom prst="rect">
                 <a:avLst/>
@@ -3295,7 +3280,7 @@
               <a:blipFill rotWithShape="1">
                 <a:blip r:embed="rId9"/>
                 <a:stretch>
-                  <a:fillRect b="-5000"/>
+                  <a:fillRect b="-2778"/>
                 </a:stretch>
               </a:blipFill>
               <a:ln w="9525" cap="rnd">
@@ -3329,7 +3314,7 @@
             <p:spPr>
               <a:xfrm>
                 <a:off x="2862832" y="693812"/>
-                <a:ext cx="648840" cy="246265"/>
+                <a:ext cx="648840" cy="219975"/>
               </a:xfrm>
               <a:prstGeom prst="rect">
                 <a:avLst/>
@@ -3353,18 +3338,10 @@
                       <m:jc m:val="centerGroup"/>
                     </m:oMathParaPr>
                     <m:oMath xmlns:m="http://schemas.openxmlformats.org/officeDocument/2006/math">
-                      <m:r>
-                        <a:rPr lang="en-US" altLang="ja-JP" sz="1200" b="0" i="1" smtClean="0">
-                          <a:latin typeface="Cambria Math"/>
-                          <a:ea typeface="ＭＳ ゴシック" pitchFamily="49" charset="-128"/>
-                          <a:cs typeface="Courier New" pitchFamily="49" charset="0"/>
-                        </a:rPr>
-                        <m:t>𝐷𝑒</m:t>
-                      </m:r>
                       <m:sSub>
                         <m:sSubPr>
                           <m:ctrlPr>
-                            <a:rPr lang="en-US" altLang="ja-JP" sz="1200" b="0" i="1" smtClean="0">
+                            <a:rPr lang="en-US" altLang="ja-JP" sz="1050" b="0" i="1" smtClean="0">
                               <a:latin typeface="Cambria Math"/>
                               <a:ea typeface="ＭＳ ゴシック" pitchFamily="49" charset="-128"/>
                               <a:cs typeface="Courier New" pitchFamily="49" charset="0"/>
@@ -3375,7 +3352,7 @@
                           <m:sSub>
                             <m:sSubPr>
                               <m:ctrlPr>
-                                <a:rPr lang="en-US" altLang="ja-JP" sz="1200" b="0" i="1" smtClean="0">
+                                <a:rPr lang="en-US" altLang="ja-JP" sz="1050" b="0" i="1" smtClean="0">
                                   <a:latin typeface="Cambria Math"/>
                                   <a:ea typeface="ＭＳ ゴシック" pitchFamily="49" charset="-128"/>
                                   <a:cs typeface="Courier New" pitchFamily="49" charset="0"/>
@@ -3384,17 +3361,20 @@
                             </m:sSubPr>
                             <m:e>
                               <m:r>
-                                <a:rPr lang="en-US" altLang="ja-JP" sz="1200" b="0" i="1" smtClean="0">
+                                <m:rPr>
+                                  <m:sty m:val="p"/>
+                                </m:rPr>
+                                <a:rPr lang="en-US" altLang="ja-JP" sz="1050" b="0" i="0" smtClean="0">
                                   <a:latin typeface="Cambria Math"/>
                                   <a:ea typeface="ＭＳ ゴシック" pitchFamily="49" charset="-128"/>
                                   <a:cs typeface="Courier New" pitchFamily="49" charset="0"/>
                                 </a:rPr>
-                                <m:t>𝑐</m:t>
+                                <m:t>Dec</m:t>
                               </m:r>
                             </m:e>
                             <m:sub>
                               <m:r>
-                                <a:rPr lang="en-US" altLang="ja-JP" sz="1200" b="0" i="1" smtClean="0">
+                                <a:rPr lang="en-US" altLang="ja-JP" sz="1050" b="0" i="1" smtClean="0">
                                   <a:latin typeface="Cambria Math"/>
                                   <a:ea typeface="ＭＳ ゴシック" pitchFamily="49" charset="-128"/>
                                   <a:cs typeface="Courier New" pitchFamily="49" charset="0"/>
@@ -3406,7 +3386,7 @@
                         </m:e>
                         <m:sub>
                           <m:r>
-                            <a:rPr lang="en-US" altLang="ja-JP" sz="1200" b="0" i="1" smtClean="0">
+                            <a:rPr lang="en-US" altLang="ja-JP" sz="1050" b="0" i="1" smtClean="0">
                               <a:latin typeface="Cambria Math"/>
                               <a:ea typeface="ＭＳ ゴシック" pitchFamily="49" charset="-128"/>
                               <a:cs typeface="Courier New" pitchFamily="49" charset="0"/>
@@ -3418,7 +3398,7 @@
                     </m:oMath>
                   </m:oMathPara>
                 </a14:m>
-                <a:endParaRPr lang="ja-JP" altLang="en-US" sz="1200">
+                <a:endParaRPr lang="ja-JP" altLang="en-US" sz="1050">
                   <a:latin typeface="Courier New" pitchFamily="49" charset="0"/>
                   <a:ea typeface="ＭＳ ゴシック" pitchFamily="49" charset="-128"/>
                   <a:cs typeface="Courier New" pitchFamily="49" charset="0"/>
@@ -3439,7 +3419,7 @@
             <p:spPr>
               <a:xfrm>
                 <a:off x="2862832" y="693812"/>
-                <a:ext cx="648840" cy="246265"/>
+                <a:ext cx="648840" cy="219975"/>
               </a:xfrm>
               <a:prstGeom prst="rect">
                 <a:avLst/>
@@ -3447,7 +3427,7 @@
               <a:blipFill rotWithShape="1">
                 <a:blip r:embed="rId10"/>
                 <a:stretch>
-                  <a:fillRect b="-5000"/>
+                  <a:fillRect b="-2778"/>
                 </a:stretch>
               </a:blipFill>
               <a:ln w="9525" cap="rnd">
@@ -3522,7 +3502,7 @@
                       <m:sSub>
                         <m:sSubPr>
                           <m:ctrlPr>
-                            <a:rPr kumimoji="1" lang="en-US" altLang="ja-JP" sz="1200" b="0" i="1" smtClean="0">
+                            <a:rPr kumimoji="1" lang="en-US" altLang="ja-JP" sz="1050" b="0" i="1" smtClean="0">
                               <a:solidFill>
                                 <a:schemeClr val="tx1"/>
                               </a:solidFill>
@@ -3532,7 +3512,7 @@
                         </m:sSubPr>
                         <m:e>
                           <m:r>
-                            <a:rPr kumimoji="1" lang="en-US" altLang="ja-JP" sz="1200" b="0" i="1" smtClean="0">
+                            <a:rPr kumimoji="1" lang="en-US" altLang="ja-JP" sz="1050" b="0" i="1" smtClean="0">
                               <a:solidFill>
                                 <a:schemeClr val="tx1"/>
                               </a:solidFill>
@@ -3543,7 +3523,7 @@
                         </m:e>
                         <m:sub>
                           <m:r>
-                            <a:rPr kumimoji="1" lang="en-US" altLang="ja-JP" sz="1200" b="0" i="1" smtClean="0">
+                            <a:rPr kumimoji="1" lang="en-US" altLang="ja-JP" sz="1050" b="0" i="1" smtClean="0">
                               <a:solidFill>
                                 <a:schemeClr val="tx1"/>
                               </a:solidFill>
@@ -3556,7 +3536,7 @@
                     </m:oMath>
                   </m:oMathPara>
                 </a14:m>
-                <a:endParaRPr kumimoji="1" lang="ja-JP" altLang="en-US"/>
+                <a:endParaRPr kumimoji="1" lang="ja-JP" altLang="en-US" sz="1050"/>
               </a:p>
             </p:txBody>
           </p:sp>
@@ -3581,7 +3561,7 @@
               <a:blipFill rotWithShape="1">
                 <a:blip r:embed="rId11"/>
                 <a:stretch>
-                  <a:fillRect b="-2778"/>
+                  <a:fillRect/>
                 </a:stretch>
               </a:blipFill>
               <a:ln w="6350">
@@ -3697,7 +3677,7 @@
                       <m:sSub>
                         <m:sSubPr>
                           <m:ctrlPr>
-                            <a:rPr kumimoji="1" lang="en-US" altLang="ja-JP" sz="1200" b="0" i="1" smtClean="0">
+                            <a:rPr kumimoji="1" lang="en-US" altLang="ja-JP" sz="1050" b="0" i="1" smtClean="0">
                               <a:solidFill>
                                 <a:schemeClr val="tx1"/>
                               </a:solidFill>
@@ -3707,7 +3687,7 @@
                         </m:sSubPr>
                         <m:e>
                           <m:r>
-                            <a:rPr kumimoji="1" lang="en-US" altLang="ja-JP" sz="1200" b="0" i="1" smtClean="0">
+                            <a:rPr kumimoji="1" lang="en-US" altLang="ja-JP" sz="1050" b="0" i="1" smtClean="0">
                               <a:solidFill>
                                 <a:schemeClr val="tx1"/>
                               </a:solidFill>
@@ -3718,7 +3698,7 @@
                         </m:e>
                         <m:sub>
                           <m:r>
-                            <a:rPr kumimoji="1" lang="en-US" altLang="ja-JP" sz="1200" b="0" i="1" smtClean="0">
+                            <a:rPr kumimoji="1" lang="en-US" altLang="ja-JP" sz="1050" b="0" i="1" smtClean="0">
                               <a:solidFill>
                                 <a:schemeClr val="tx1"/>
                               </a:solidFill>
@@ -3731,7 +3711,7 @@
                     </m:oMath>
                   </m:oMathPara>
                 </a14:m>
-                <a:endParaRPr kumimoji="1" lang="ja-JP" altLang="en-US"/>
+                <a:endParaRPr kumimoji="1" lang="ja-JP" altLang="en-US" sz="1050"/>
               </a:p>
             </p:txBody>
           </p:sp>
@@ -3780,8 +3760,8 @@
           </p:sp>
         </mc:Fallback>
       </mc:AlternateContent>
-      <mc:AlternateContent xmlns:mc="http://schemas.openxmlformats.org/markup-compatibility/2006" xmlns:a14="http://schemas.microsoft.com/office/drawing/2010/main">
-        <mc:Choice Requires="a14">
+      <mc:AlternateContent xmlns:mc="http://schemas.openxmlformats.org/markup-compatibility/2006">
+        <mc:Choice xmlns:a14="http://schemas.microsoft.com/office/drawing/2010/main" Requires="a14">
           <p:sp useBgFill="1">
             <p:nvSpPr>
               <p:cNvPr id="53" name="角丸四角形 52"/>
@@ -3830,7 +3810,7 @@
                     </m:oMathParaPr>
                     <m:oMath xmlns:m="http://schemas.openxmlformats.org/officeDocument/2006/math">
                       <m:r>
-                        <a:rPr kumimoji="1" lang="en-US" altLang="ja-JP" sz="1200" b="0" i="1" smtClean="0">
+                        <a:rPr kumimoji="1" lang="en-US" altLang="ja-JP" sz="1050" b="0" i="1" smtClean="0">
                           <a:solidFill>
                             <a:schemeClr val="tx1"/>
                           </a:solidFill>
@@ -3841,12 +3821,12 @@
                     </m:oMath>
                   </m:oMathPara>
                 </a14:m>
-                <a:endParaRPr kumimoji="1" lang="ja-JP" altLang="en-US"/>
+                <a:endParaRPr kumimoji="1" lang="ja-JP" altLang="en-US" sz="1050"/>
               </a:p>
             </p:txBody>
           </p:sp>
         </mc:Choice>
-        <mc:Fallback xmlns="">
+        <mc:Fallback>
           <p:sp useBgFill="1">
             <p:nvSpPr>
               <p:cNvPr id="53" name="角丸四角形 52"/>
@@ -3864,7 +3844,7 @@
                 <a:avLst/>
               </a:prstGeom>
               <a:blipFill rotWithShape="1">
-                <a:blip r:embed="rId13"/>
+                <a:blip r:embed="rId5"/>
                 <a:stretch>
                   <a:fillRect/>
                 </a:stretch>
@@ -3930,8 +3910,8 @@
           </a:fontRef>
         </p:style>
       </p:cxnSp>
-      <mc:AlternateContent xmlns:mc="http://schemas.openxmlformats.org/markup-compatibility/2006" xmlns:a14="http://schemas.microsoft.com/office/drawing/2010/main">
-        <mc:Choice Requires="a14">
+      <mc:AlternateContent xmlns:mc="http://schemas.openxmlformats.org/markup-compatibility/2006">
+        <mc:Choice xmlns:a14="http://schemas.microsoft.com/office/drawing/2010/main" Requires="a14">
           <p:sp useBgFill="1">
             <p:nvSpPr>
               <p:cNvPr id="55" name="角丸四角形 54"/>
@@ -3980,7 +3960,7 @@
                     </m:oMathParaPr>
                     <m:oMath xmlns:m="http://schemas.openxmlformats.org/officeDocument/2006/math">
                       <m:r>
-                        <a:rPr kumimoji="1" lang="en-US" altLang="ja-JP" sz="1200" b="0" i="1" smtClean="0">
+                        <a:rPr kumimoji="1" lang="en-US" altLang="ja-JP" sz="1050" b="0" i="1" smtClean="0">
                           <a:solidFill>
                             <a:schemeClr val="tx1"/>
                           </a:solidFill>
@@ -3991,12 +3971,12 @@
                     </m:oMath>
                   </m:oMathPara>
                 </a14:m>
-                <a:endParaRPr kumimoji="1" lang="ja-JP" altLang="en-US"/>
+                <a:endParaRPr kumimoji="1" lang="ja-JP" altLang="en-US" sz="1050"/>
               </a:p>
             </p:txBody>
           </p:sp>
         </mc:Choice>
-        <mc:Fallback xmlns="">
+        <mc:Fallback>
           <p:sp useBgFill="1">
             <p:nvSpPr>
               <p:cNvPr id="55" name="角丸四角形 54"/>
@@ -4014,7 +3994,7 @@
                 <a:avLst/>
               </a:prstGeom>
               <a:blipFill rotWithShape="1">
-                <a:blip r:embed="rId14"/>
+                <a:blip r:embed="rId12"/>
                 <a:stretch>
                   <a:fillRect/>
                 </a:stretch>
@@ -4084,14 +4064,14 @@
         <mc:Choice xmlns:a14="http://schemas.microsoft.com/office/drawing/2010/main" Requires="a14">
           <p:sp>
             <p:nvSpPr>
-              <p:cNvPr id="25" name="テキスト ボックス 24"/>
+              <p:cNvPr id="26" name="テキスト ボックス 25"/>
               <p:cNvSpPr txBox="1"/>
               <p:nvPr/>
             </p:nvSpPr>
             <p:spPr>
               <a:xfrm>
-                <a:off x="520675" y="1701924"/>
-                <a:ext cx="648840" cy="246265"/>
+                <a:off x="1493912" y="1697327"/>
+                <a:ext cx="1036271" cy="205100"/>
               </a:xfrm>
               <a:prstGeom prst="rect">
                 <a:avLst/>
@@ -4115,170 +4095,10 @@
                       <m:jc m:val="centerGroup"/>
                     </m:oMathParaPr>
                     <m:oMath xmlns:m="http://schemas.openxmlformats.org/officeDocument/2006/math">
-                      <m:r>
-                        <a:rPr lang="en-US" altLang="ja-JP" sz="1200" b="0" i="1" smtClean="0">
-                          <a:latin typeface="Cambria Math"/>
-                          <a:ea typeface="ＭＳ ゴシック" pitchFamily="49" charset="-128"/>
-                          <a:cs typeface="Courier New" pitchFamily="49" charset="0"/>
-                        </a:rPr>
-                        <m:t>𝐸𝑛</m:t>
-                      </m:r>
                       <m:sSub>
                         <m:sSubPr>
                           <m:ctrlPr>
-                            <a:rPr lang="en-US" altLang="ja-JP" sz="1200" b="0" i="1" smtClean="0">
-                              <a:latin typeface="Cambria Math"/>
-                              <a:ea typeface="ＭＳ ゴシック" pitchFamily="49" charset="-128"/>
-                              <a:cs typeface="Courier New" pitchFamily="49" charset="0"/>
-                            </a:rPr>
-                          </m:ctrlPr>
-                        </m:sSubPr>
-                        <m:e>
-                          <m:sSub>
-                            <m:sSubPr>
-                              <m:ctrlPr>
-                                <a:rPr lang="en-US" altLang="ja-JP" sz="1200" b="0" i="1" smtClean="0">
-                                  <a:latin typeface="Cambria Math"/>
-                                  <a:ea typeface="ＭＳ ゴシック" pitchFamily="49" charset="-128"/>
-                                  <a:cs typeface="Courier New" pitchFamily="49" charset="0"/>
-                                </a:rPr>
-                              </m:ctrlPr>
-                            </m:sSubPr>
-                            <m:e>
-                              <m:r>
-                                <a:rPr lang="en-US" altLang="ja-JP" sz="1200" b="0" i="1" smtClean="0">
-                                  <a:latin typeface="Cambria Math"/>
-                                  <a:ea typeface="ＭＳ ゴシック" pitchFamily="49" charset="-128"/>
-                                  <a:cs typeface="Courier New" pitchFamily="49" charset="0"/>
-                                </a:rPr>
-                                <m:t>𝑐</m:t>
-                              </m:r>
-                            </m:e>
-                            <m:sub>
-                              <m:r>
-                                <a:rPr lang="en-US" altLang="ja-JP" sz="1200" b="0" i="1" smtClean="0">
-                                  <a:latin typeface="Cambria Math"/>
-                                  <a:ea typeface="ＭＳ ゴシック" pitchFamily="49" charset="-128"/>
-                                  <a:cs typeface="Courier New" pitchFamily="49" charset="0"/>
-                                </a:rPr>
-                                <m:t>𝐾</m:t>
-                              </m:r>
-                            </m:sub>
-                          </m:sSub>
-                        </m:e>
-                        <m:sub>
-                          <m:r>
-                            <a:rPr lang="en-US" altLang="ja-JP" sz="1200" b="0" i="1" smtClean="0">
-                              <a:latin typeface="Cambria Math"/>
-                              <a:ea typeface="ＭＳ ゴシック" pitchFamily="49" charset="-128"/>
-                              <a:cs typeface="Courier New" pitchFamily="49" charset="0"/>
-                            </a:rPr>
-                            <m:t>𝐴</m:t>
-                          </m:r>
-                        </m:sub>
-                      </m:sSub>
-                    </m:oMath>
-                  </m:oMathPara>
-                </a14:m>
-                <a:endParaRPr lang="ja-JP" altLang="en-US" sz="1200">
-                  <a:latin typeface="Courier New" pitchFamily="49" charset="0"/>
-                  <a:ea typeface="ＭＳ ゴシック" pitchFamily="49" charset="-128"/>
-                  <a:cs typeface="Courier New" pitchFamily="49" charset="0"/>
-                </a:endParaRPr>
-              </a:p>
-            </p:txBody>
-          </p:sp>
-        </mc:Choice>
-        <mc:Fallback>
-          <p:sp>
-            <p:nvSpPr>
-              <p:cNvPr id="25" name="テキスト ボックス 24"/>
-              <p:cNvSpPr txBox="1">
-                <a:spLocks noRot="1" noChangeAspect="1" noMove="1" noResize="1" noEditPoints="1" noAdjustHandles="1" noChangeArrowheads="1" noChangeShapeType="1" noTextEdit="1"/>
-              </p:cNvSpPr>
-              <p:nvPr/>
-            </p:nvSpPr>
-            <p:spPr>
-              <a:xfrm>
-                <a:off x="520675" y="1701924"/>
-                <a:ext cx="648840" cy="246265"/>
-              </a:xfrm>
-              <a:prstGeom prst="rect">
-                <a:avLst/>
-              </a:prstGeom>
-              <a:blipFill rotWithShape="1">
-                <a:blip r:embed="rId15"/>
-                <a:stretch>
-                  <a:fillRect b="-4878"/>
-                </a:stretch>
-              </a:blipFill>
-              <a:ln w="9525" cap="rnd">
-                <a:noFill/>
-                <a:prstDash val="solid"/>
-              </a:ln>
-            </p:spPr>
-            <p:txBody>
-              <a:bodyPr/>
-              <a:lstStyle/>
-              <a:p>
-                <a:r>
-                  <a:rPr lang="ja-JP" altLang="en-US">
-                    <a:noFill/>
-                  </a:rPr>
-                  <a:t> </a:t>
-                </a:r>
-              </a:p>
-            </p:txBody>
-          </p:sp>
-        </mc:Fallback>
-      </mc:AlternateContent>
-      <mc:AlternateContent xmlns:mc="http://schemas.openxmlformats.org/markup-compatibility/2006">
-        <mc:Choice xmlns:a14="http://schemas.microsoft.com/office/drawing/2010/main" Requires="a14">
-          <p:sp>
-            <p:nvSpPr>
-              <p:cNvPr id="26" name="テキスト ボックス 25"/>
-              <p:cNvSpPr txBox="1"/>
-              <p:nvPr/>
-            </p:nvSpPr>
-            <p:spPr>
-              <a:xfrm>
-                <a:off x="1493912" y="1697327"/>
-                <a:ext cx="1036271" cy="228183"/>
-              </a:xfrm>
-              <a:prstGeom prst="rect">
-                <a:avLst/>
-              </a:prstGeom>
-              <a:noFill/>
-              <a:ln w="9525" cap="rnd">
-                <a:noFill/>
-                <a:prstDash val="solid"/>
-              </a:ln>
-            </p:spPr>
-            <p:txBody>
-              <a:bodyPr wrap="square" lIns="43094" tIns="21548" rIns="43094" bIns="21548" rtlCol="0">
-                <a:spAutoFit/>
-              </a:bodyPr>
-              <a:lstStyle/>
-              <a:p>
-                <a:pPr/>
-                <a14:m>
-                  <m:oMathPara xmlns:m="http://schemas.openxmlformats.org/officeDocument/2006/math">
-                    <m:oMathParaPr>
-                      <m:jc m:val="centerGroup"/>
-                    </m:oMathParaPr>
-                    <m:oMath xmlns:m="http://schemas.openxmlformats.org/officeDocument/2006/math">
-                      <m:r>
-                        <a:rPr lang="en-US" altLang="ja-JP" sz="1200" b="0" i="1" smtClean="0">
-                          <a:latin typeface="Cambria Math"/>
-                          <a:ea typeface="ＭＳ ゴシック" pitchFamily="49" charset="-128"/>
-                          <a:cs typeface="Courier New" pitchFamily="49" charset="0"/>
-                        </a:rPr>
-                        <m:t>𝑅𝐸𝑛</m:t>
-                      </m:r>
-                      <m:sSub>
-                        <m:sSubPr>
-                          <m:ctrlPr>
-                            <a:rPr lang="en-US" altLang="ja-JP" sz="1200" b="0" i="1" smtClean="0">
+                            <a:rPr lang="en-US" altLang="ja-JP" sz="1050" b="0" i="1" smtClean="0">
                               <a:latin typeface="Cambria Math"/>
                               <a:ea typeface="ＭＳ ゴシック" pitchFamily="49" charset="-128"/>
                               <a:cs typeface="Courier New" pitchFamily="49" charset="0"/>
@@ -4287,17 +4107,20 @@
                         </m:sSubPr>
                         <m:e>
                           <m:r>
-                            <a:rPr lang="en-US" altLang="ja-JP" sz="1200" b="0" i="1" smtClean="0">
+                            <m:rPr>
+                              <m:sty m:val="p"/>
+                            </m:rPr>
+                            <a:rPr lang="en-US" altLang="ja-JP" sz="1050" b="0" i="0" smtClean="0">
                               <a:latin typeface="Cambria Math"/>
                               <a:ea typeface="ＭＳ ゴシック" pitchFamily="49" charset="-128"/>
                               <a:cs typeface="Courier New" pitchFamily="49" charset="0"/>
                             </a:rPr>
-                            <m:t>𝑐</m:t>
+                            <m:t>REnc</m:t>
                           </m:r>
                         </m:e>
                         <m:sub>
                           <m:r>
-                            <a:rPr lang="en-US" altLang="ja-JP" sz="1200" b="0" i="1" smtClean="0">
+                            <a:rPr lang="en-US" altLang="ja-JP" sz="1050" b="0" i="1" smtClean="0">
                               <a:latin typeface="Cambria Math"/>
                               <a:ea typeface="ＭＳ ゴシック" pitchFamily="49" charset="-128"/>
                               <a:cs typeface="Courier New" pitchFamily="49" charset="0"/>
@@ -4305,7 +4128,7 @@
                             <m:t>𝐴</m:t>
                           </m:r>
                           <m:r>
-                            <a:rPr lang="en-US" altLang="ja-JP" sz="1200" b="0" i="1" smtClean="0">
+                            <a:rPr lang="en-US" altLang="ja-JP" sz="1050" b="0" i="1" smtClean="0">
                               <a:latin typeface="Cambria Math"/>
                               <a:ea typeface="ＭＳ ゴシック" pitchFamily="49" charset="-128"/>
                               <a:cs typeface="Courier New" pitchFamily="49" charset="0"/>
@@ -4313,7 +4136,7 @@
                             <m:t>→</m:t>
                           </m:r>
                           <m:r>
-                            <a:rPr lang="en-US" altLang="ja-JP" sz="1200" b="0" i="1" smtClean="0">
+                            <a:rPr lang="en-US" altLang="ja-JP" sz="1050" b="0" i="1" smtClean="0">
                               <a:latin typeface="Cambria Math"/>
                               <a:ea typeface="ＭＳ ゴシック" pitchFamily="49" charset="-128"/>
                               <a:cs typeface="Courier New" pitchFamily="49" charset="0"/>
@@ -4325,7 +4148,7 @@
                     </m:oMath>
                   </m:oMathPara>
                 </a14:m>
-                <a:endParaRPr lang="ja-JP" altLang="en-US" sz="1200">
+                <a:endParaRPr lang="ja-JP" altLang="en-US" sz="1050">
                   <a:latin typeface="Courier New" pitchFamily="49" charset="0"/>
                   <a:ea typeface="ＭＳ ゴシック" pitchFamily="49" charset="-128"/>
                   <a:cs typeface="Courier New" pitchFamily="49" charset="0"/>
@@ -4346,13 +4169,13 @@
             <p:spPr>
               <a:xfrm>
                 <a:off x="1493912" y="1697327"/>
-                <a:ext cx="1036271" cy="228183"/>
+                <a:ext cx="1036271" cy="205100"/>
               </a:xfrm>
               <a:prstGeom prst="rect">
                 <a:avLst/>
               </a:prstGeom>
               <a:blipFill rotWithShape="1">
-                <a:blip r:embed="rId16"/>
+                <a:blip r:embed="rId13"/>
                 <a:stretch>
                   <a:fillRect/>
                 </a:stretch>
@@ -4381,14 +4204,14 @@
         <mc:Choice xmlns:a14="http://schemas.microsoft.com/office/drawing/2010/main" Requires="a14">
           <p:sp>
             <p:nvSpPr>
-              <p:cNvPr id="27" name="テキスト ボックス 26"/>
+              <p:cNvPr id="28" name="テキスト ボックス 27"/>
               <p:cNvSpPr txBox="1"/>
               <p:nvPr/>
             </p:nvSpPr>
             <p:spPr>
               <a:xfrm>
-                <a:off x="2862471" y="1701924"/>
-                <a:ext cx="648840" cy="246265"/>
+                <a:off x="519500" y="1697973"/>
+                <a:ext cx="648840" cy="219975"/>
               </a:xfrm>
               <a:prstGeom prst="rect">
                 <a:avLst/>
@@ -4412,18 +4235,10 @@
                       <m:jc m:val="centerGroup"/>
                     </m:oMathParaPr>
                     <m:oMath xmlns:m="http://schemas.openxmlformats.org/officeDocument/2006/math">
-                      <m:r>
-                        <a:rPr lang="en-US" altLang="ja-JP" sz="1200" b="0" i="1" smtClean="0">
-                          <a:latin typeface="Cambria Math"/>
-                          <a:ea typeface="ＭＳ ゴシック" pitchFamily="49" charset="-128"/>
-                          <a:cs typeface="Courier New" pitchFamily="49" charset="0"/>
-                        </a:rPr>
-                        <m:t>𝐷𝑒</m:t>
-                      </m:r>
                       <m:sSub>
                         <m:sSubPr>
                           <m:ctrlPr>
-                            <a:rPr lang="en-US" altLang="ja-JP" sz="1200" b="0" i="1" smtClean="0">
+                            <a:rPr lang="en-US" altLang="ja-JP" sz="1050" b="0" i="1" smtClean="0">
                               <a:latin typeface="Cambria Math"/>
                               <a:ea typeface="ＭＳ ゴシック" pitchFamily="49" charset="-128"/>
                               <a:cs typeface="Courier New" pitchFamily="49" charset="0"/>
@@ -4434,7 +4249,7 @@
                           <m:sSub>
                             <m:sSubPr>
                               <m:ctrlPr>
-                                <a:rPr lang="en-US" altLang="ja-JP" sz="1200" b="0" i="1" smtClean="0">
+                                <a:rPr lang="en-US" altLang="ja-JP" sz="1050" b="0" i="1" smtClean="0">
                                   <a:latin typeface="Cambria Math"/>
                                   <a:ea typeface="ＭＳ ゴシック" pitchFamily="49" charset="-128"/>
                                   <a:cs typeface="Courier New" pitchFamily="49" charset="0"/>
@@ -4443,17 +4258,20 @@
                             </m:sSubPr>
                             <m:e>
                               <m:r>
-                                <a:rPr lang="en-US" altLang="ja-JP" sz="1200" b="0" i="1" smtClean="0">
+                                <m:rPr>
+                                  <m:sty m:val="p"/>
+                                </m:rPr>
+                                <a:rPr lang="en-US" altLang="ja-JP" sz="1050" b="0" i="0" smtClean="0">
                                   <a:latin typeface="Cambria Math"/>
                                   <a:ea typeface="ＭＳ ゴシック" pitchFamily="49" charset="-128"/>
                                   <a:cs typeface="Courier New" pitchFamily="49" charset="0"/>
                                 </a:rPr>
-                                <m:t>𝑐</m:t>
+                                <m:t>Enc</m:t>
                               </m:r>
                             </m:e>
                             <m:sub>
                               <m:r>
-                                <a:rPr lang="en-US" altLang="ja-JP" sz="1200" b="0" i="1" smtClean="0">
+                                <a:rPr lang="en-US" altLang="ja-JP" sz="1050" b="0" i="1" smtClean="0">
                                   <a:latin typeface="Cambria Math"/>
                                   <a:ea typeface="ＭＳ ゴシック" pitchFamily="49" charset="-128"/>
                                   <a:cs typeface="Courier New" pitchFamily="49" charset="0"/>
@@ -4465,7 +4283,154 @@
                         </m:e>
                         <m:sub>
                           <m:r>
-                            <a:rPr lang="en-US" altLang="ja-JP" sz="1200" b="0" i="1" smtClean="0">
+                            <a:rPr lang="en-US" altLang="ja-JP" sz="1050" b="0" i="1" smtClean="0">
+                              <a:latin typeface="Cambria Math"/>
+                              <a:ea typeface="ＭＳ ゴシック" pitchFamily="49" charset="-128"/>
+                              <a:cs typeface="Courier New" pitchFamily="49" charset="0"/>
+                            </a:rPr>
+                            <m:t>𝐴</m:t>
+                          </m:r>
+                        </m:sub>
+                      </m:sSub>
+                    </m:oMath>
+                  </m:oMathPara>
+                </a14:m>
+                <a:endParaRPr lang="ja-JP" altLang="en-US" sz="1050">
+                  <a:latin typeface="Courier New" pitchFamily="49" charset="0"/>
+                  <a:ea typeface="ＭＳ ゴシック" pitchFamily="49" charset="-128"/>
+                  <a:cs typeface="Courier New" pitchFamily="49" charset="0"/>
+                </a:endParaRPr>
+              </a:p>
+            </p:txBody>
+          </p:sp>
+        </mc:Choice>
+        <mc:Fallback>
+          <p:sp>
+            <p:nvSpPr>
+              <p:cNvPr id="28" name="テキスト ボックス 27"/>
+              <p:cNvSpPr txBox="1">
+                <a:spLocks noRot="1" noChangeAspect="1" noMove="1" noResize="1" noEditPoints="1" noAdjustHandles="1" noChangeArrowheads="1" noChangeShapeType="1" noTextEdit="1"/>
+              </p:cNvSpPr>
+              <p:nvPr/>
+            </p:nvSpPr>
+            <p:spPr>
+              <a:xfrm>
+                <a:off x="519500" y="1697973"/>
+                <a:ext cx="648840" cy="219975"/>
+              </a:xfrm>
+              <a:prstGeom prst="rect">
+                <a:avLst/>
+              </a:prstGeom>
+              <a:blipFill rotWithShape="1">
+                <a:blip r:embed="rId14"/>
+                <a:stretch>
+                  <a:fillRect b="-2778"/>
+                </a:stretch>
+              </a:blipFill>
+              <a:ln w="9525" cap="rnd">
+                <a:noFill/>
+                <a:prstDash val="solid"/>
+              </a:ln>
+            </p:spPr>
+            <p:txBody>
+              <a:bodyPr/>
+              <a:lstStyle/>
+              <a:p>
+                <a:r>
+                  <a:rPr lang="ja-JP" altLang="en-US">
+                    <a:noFill/>
+                  </a:rPr>
+                  <a:t> </a:t>
+                </a:r>
+              </a:p>
+            </p:txBody>
+          </p:sp>
+        </mc:Fallback>
+      </mc:AlternateContent>
+      <mc:AlternateContent xmlns:mc="http://schemas.openxmlformats.org/markup-compatibility/2006">
+        <mc:Choice xmlns:a14="http://schemas.microsoft.com/office/drawing/2010/main" Requires="a14">
+          <p:sp>
+            <p:nvSpPr>
+              <p:cNvPr id="29" name="テキスト ボックス 28"/>
+              <p:cNvSpPr txBox="1"/>
+              <p:nvPr/>
+            </p:nvSpPr>
+            <p:spPr>
+              <a:xfrm>
+                <a:off x="2861296" y="1697973"/>
+                <a:ext cx="648840" cy="219975"/>
+              </a:xfrm>
+              <a:prstGeom prst="rect">
+                <a:avLst/>
+              </a:prstGeom>
+              <a:noFill/>
+              <a:ln w="9525" cap="rnd">
+                <a:noFill/>
+                <a:prstDash val="solid"/>
+              </a:ln>
+            </p:spPr>
+            <p:txBody>
+              <a:bodyPr wrap="square" lIns="43094" tIns="21548" rIns="43094" bIns="21548" rtlCol="0">
+                <a:spAutoFit/>
+              </a:bodyPr>
+              <a:lstStyle/>
+              <a:p>
+                <a:pPr/>
+                <a14:m>
+                  <m:oMathPara xmlns:m="http://schemas.openxmlformats.org/officeDocument/2006/math">
+                    <m:oMathParaPr>
+                      <m:jc m:val="centerGroup"/>
+                    </m:oMathParaPr>
+                    <m:oMath xmlns:m="http://schemas.openxmlformats.org/officeDocument/2006/math">
+                      <m:sSub>
+                        <m:sSubPr>
+                          <m:ctrlPr>
+                            <a:rPr lang="en-US" altLang="ja-JP" sz="1050" b="0" i="1" smtClean="0">
+                              <a:latin typeface="Cambria Math"/>
+                              <a:ea typeface="ＭＳ ゴシック" pitchFamily="49" charset="-128"/>
+                              <a:cs typeface="Courier New" pitchFamily="49" charset="0"/>
+                            </a:rPr>
+                          </m:ctrlPr>
+                        </m:sSubPr>
+                        <m:e>
+                          <m:sSub>
+                            <m:sSubPr>
+                              <m:ctrlPr>
+                                <a:rPr lang="en-US" altLang="ja-JP" sz="1050" b="0" i="1" smtClean="0">
+                                  <a:latin typeface="Cambria Math"/>
+                                  <a:ea typeface="ＭＳ ゴシック" pitchFamily="49" charset="-128"/>
+                                  <a:cs typeface="Courier New" pitchFamily="49" charset="0"/>
+                                </a:rPr>
+                              </m:ctrlPr>
+                            </m:sSubPr>
+                            <m:e>
+                              <m:r>
+                                <m:rPr>
+                                  <m:sty m:val="p"/>
+                                </m:rPr>
+                                <a:rPr lang="en-US" altLang="ja-JP" sz="1050" b="0" i="0" smtClean="0">
+                                  <a:latin typeface="Cambria Math"/>
+                                  <a:ea typeface="ＭＳ ゴシック" pitchFamily="49" charset="-128"/>
+                                  <a:cs typeface="Courier New" pitchFamily="49" charset="0"/>
+                                </a:rPr>
+                                <m:t>Dec</m:t>
+                              </m:r>
+                            </m:e>
+                            <m:sub>
+                              <m:r>
+                                <a:rPr lang="en-US" altLang="ja-JP" sz="1050" b="0" i="1" smtClean="0">
+                                  <a:latin typeface="Cambria Math"/>
+                                  <a:ea typeface="ＭＳ ゴシック" pitchFamily="49" charset="-128"/>
+                                  <a:cs typeface="Courier New" pitchFamily="49" charset="0"/>
+                                </a:rPr>
+                                <m:t>𝐾</m:t>
+                              </m:r>
+                            </m:sub>
+                          </m:sSub>
+                        </m:e>
+                        <m:sub>
+                          <m:r>
+                            <a:rPr lang="en-US" altLang="ja-JP" sz="1050" b="0" i="1" smtClean="0">
                               <a:latin typeface="Cambria Math"/>
                               <a:ea typeface="ＭＳ ゴシック" pitchFamily="49" charset="-128"/>
                               <a:cs typeface="Courier New" pitchFamily="49" charset="0"/>
@@ -4477,7 +4442,7 @@
                     </m:oMath>
                   </m:oMathPara>
                 </a14:m>
-                <a:endParaRPr lang="ja-JP" altLang="en-US" sz="1200">
+                <a:endParaRPr lang="ja-JP" altLang="en-US" sz="1050">
                   <a:latin typeface="Courier New" pitchFamily="49" charset="0"/>
                   <a:ea typeface="ＭＳ ゴシック" pitchFamily="49" charset="-128"/>
                   <a:cs typeface="Courier New" pitchFamily="49" charset="0"/>
@@ -4489,7 +4454,7 @@
         <mc:Fallback>
           <p:sp>
             <p:nvSpPr>
-              <p:cNvPr id="27" name="テキスト ボックス 26"/>
+              <p:cNvPr id="29" name="テキスト ボックス 28"/>
               <p:cNvSpPr txBox="1">
                 <a:spLocks noRot="1" noChangeAspect="1" noMove="1" noResize="1" noEditPoints="1" noAdjustHandles="1" noChangeArrowheads="1" noChangeShapeType="1" noTextEdit="1"/>
               </p:cNvSpPr>
@@ -4497,16 +4462,16 @@
             </p:nvSpPr>
             <p:spPr>
               <a:xfrm>
-                <a:off x="2862471" y="1701924"/>
-                <a:ext cx="648840" cy="246265"/>
+                <a:off x="2861296" y="1697973"/>
+                <a:ext cx="648840" cy="219975"/>
               </a:xfrm>
               <a:prstGeom prst="rect">
                 <a:avLst/>
               </a:prstGeom>
               <a:blipFill rotWithShape="1">
-                <a:blip r:embed="rId17"/>
+                <a:blip r:embed="rId15"/>
                 <a:stretch>
-                  <a:fillRect b="-2439"/>
+                  <a:fillRect b="-2778"/>
                 </a:stretch>
               </a:blipFill>
               <a:ln w="9525" cap="rnd">

--- a/img/proxy.pptx
+++ b/img/proxy.pptx
@@ -151,7 +151,7 @@
       </p14:sectionLst>
     </p:ext>
     <p:ext uri="{EFAFB233-063F-42B5-8137-9DF3F51BA10A}">
-      <p15:sldGuideLst xmlns:p15="http://schemas.microsoft.com/office/powerpoint/2012/main" xmlns="">
+      <p15:sldGuideLst xmlns="" xmlns:p15="http://schemas.microsoft.com/office/powerpoint/2012/main">
         <p15:guide id="1" orient="horz" pos="2160">
           <p15:clr>
             <a:srgbClr val="A4A3A4"/>
@@ -165,7 +165,7 @@
       </p15:sldGuideLst>
     </p:ext>
     <p:ext uri="{2D200454-40CA-4A62-9FC3-DE9A4176ACB9}">
-      <p15:notesGuideLst xmlns:p15="http://schemas.microsoft.com/office/powerpoint/2012/main" xmlns="">
+      <p15:notesGuideLst xmlns="" xmlns:p15="http://schemas.microsoft.com/office/powerpoint/2012/main">
         <p15:guide id="1" orient="horz" pos="3223">
           <p15:clr>
             <a:srgbClr val="A4A3A4"/>
@@ -1957,7 +1957,7 @@
         </p:nvSpPr>
         <p:spPr>
           <a:xfrm>
-            <a:off x="1172932" y="333773"/>
+            <a:off x="1479518" y="824392"/>
             <a:ext cx="1617891" cy="648072"/>
           </a:xfrm>
           <a:prstGeom prst="roundRect">
@@ -2005,7 +2005,7 @@
             </p:nvSpPr>
             <p:spPr>
               <a:xfrm>
-                <a:off x="1061864" y="499571"/>
+                <a:off x="1368450" y="990190"/>
                 <a:ext cx="325141" cy="216024"/>
               </a:xfrm>
               <a:prstGeom prst="roundRect">
@@ -2097,7 +2097,7 @@
             </p:nvSpPr>
             <p:spPr>
               <a:xfrm>
-                <a:off x="1061864" y="499571"/>
+                <a:off x="1368450" y="990190"/>
                 <a:ext cx="325141" cy="216024"/>
               </a:xfrm>
               <a:prstGeom prst="roundRect">
@@ -2141,7 +2141,7 @@
         </p:nvCxnSpPr>
         <p:spPr>
           <a:xfrm flipV="1">
-            <a:off x="595965" y="607583"/>
+            <a:off x="902551" y="1098202"/>
             <a:ext cx="465899" cy="2062"/>
           </a:xfrm>
           <a:prstGeom prst="straightConnector1">
@@ -2180,7 +2180,7 @@
             </p:nvSpPr>
             <p:spPr>
               <a:xfrm>
-                <a:off x="1835426" y="499571"/>
+                <a:off x="2142012" y="990190"/>
                 <a:ext cx="325141" cy="216024"/>
               </a:xfrm>
               <a:prstGeom prst="roundRect">
@@ -2247,7 +2247,7 @@
             </p:nvSpPr>
             <p:spPr>
               <a:xfrm>
-                <a:off x="1835426" y="499571"/>
+                <a:off x="2142012" y="990190"/>
                 <a:ext cx="325141" cy="216024"/>
               </a:xfrm>
               <a:prstGeom prst="roundRect">
@@ -2290,7 +2290,7 @@
             </p:nvSpPr>
             <p:spPr>
               <a:xfrm>
-                <a:off x="2627486" y="501633"/>
+                <a:off x="2934072" y="992252"/>
                 <a:ext cx="325141" cy="216024"/>
               </a:xfrm>
               <a:prstGeom prst="roundRect">
@@ -2382,7 +2382,7 @@
             </p:nvSpPr>
             <p:spPr>
               <a:xfrm>
-                <a:off x="2627486" y="501633"/>
+                <a:off x="2934072" y="992252"/>
                 <a:ext cx="325141" cy="216024"/>
               </a:xfrm>
               <a:prstGeom prst="roundRect">
@@ -2425,7 +2425,7 @@
             </p:nvSpPr>
             <p:spPr>
               <a:xfrm>
-                <a:off x="270824" y="501633"/>
+                <a:off x="577410" y="992252"/>
                 <a:ext cx="325141" cy="216024"/>
               </a:xfrm>
               <a:prstGeom prst="roundRect">
@@ -2492,7 +2492,7 @@
             </p:nvSpPr>
             <p:spPr>
               <a:xfrm>
-                <a:off x="270824" y="501633"/>
+                <a:off x="577410" y="992252"/>
                 <a:ext cx="325141" cy="216024"/>
               </a:xfrm>
               <a:prstGeom prst="roundRect">
@@ -2535,7 +2535,7 @@
             </p:nvSpPr>
             <p:spPr>
               <a:xfrm>
-                <a:off x="521036" y="693812"/>
+                <a:off x="827622" y="1184431"/>
                 <a:ext cx="648840" cy="219975"/>
               </a:xfrm>
               <a:prstGeom prst="rect">
@@ -2640,7 +2640,7 @@
             </p:nvSpPr>
             <p:spPr>
               <a:xfrm>
-                <a:off x="521036" y="693812"/>
+                <a:off x="827622" y="1184431"/>
                 <a:ext cx="648840" cy="219975"/>
               </a:xfrm>
               <a:prstGeom prst="rect">
@@ -2683,7 +2683,7 @@
         </p:nvCxnSpPr>
         <p:spPr>
           <a:xfrm>
-            <a:off x="1387005" y="607583"/>
+            <a:off x="1693591" y="1098202"/>
             <a:ext cx="448421" cy="0"/>
           </a:xfrm>
           <a:prstGeom prst="straightConnector1">
@@ -2723,7 +2723,7 @@
         </p:nvCxnSpPr>
         <p:spPr>
           <a:xfrm>
-            <a:off x="2160567" y="607583"/>
+            <a:off x="2467153" y="1098202"/>
             <a:ext cx="466919" cy="2062"/>
           </a:xfrm>
           <a:prstGeom prst="straightConnector1">
@@ -2762,7 +2762,7 @@
             </p:nvSpPr>
             <p:spPr>
               <a:xfrm>
-                <a:off x="3382465" y="503609"/>
+                <a:off x="3689051" y="994228"/>
                 <a:ext cx="325141" cy="216024"/>
               </a:xfrm>
               <a:prstGeom prst="roundRect">
@@ -2829,7 +2829,7 @@
             </p:nvSpPr>
             <p:spPr>
               <a:xfrm>
-                <a:off x="3382465" y="503609"/>
+                <a:off x="3689051" y="994228"/>
                 <a:ext cx="325141" cy="216024"/>
               </a:xfrm>
               <a:prstGeom prst="roundRect">
@@ -2873,7 +2873,7 @@
         </p:nvCxnSpPr>
         <p:spPr>
           <a:xfrm>
-            <a:off x="2952627" y="609645"/>
+            <a:off x="3259213" y="1100264"/>
             <a:ext cx="429838" cy="1976"/>
           </a:xfrm>
           <a:prstGeom prst="straightConnector1">
@@ -2910,7 +2910,7 @@
         </p:nvSpPr>
         <p:spPr>
           <a:xfrm>
-            <a:off x="2394012" y="981845"/>
+            <a:off x="2700598" y="471146"/>
             <a:ext cx="1224136" cy="366682"/>
           </a:xfrm>
           <a:prstGeom prst="rect">
@@ -2975,7 +2975,7 @@
         </p:nvSpPr>
         <p:spPr>
           <a:xfrm>
-            <a:off x="1418971" y="1942309"/>
+            <a:off x="1725557" y="1571345"/>
             <a:ext cx="1354539" cy="205100"/>
           </a:xfrm>
           <a:prstGeom prst="rect">
@@ -3019,7 +3019,7 @@
             </p:nvSpPr>
             <p:spPr>
               <a:xfrm>
-                <a:off x="1349896" y="693812"/>
+                <a:off x="1656482" y="1184431"/>
                 <a:ext cx="648840" cy="219975"/>
               </a:xfrm>
               <a:prstGeom prst="rect">
@@ -3124,7 +3124,7 @@
             </p:nvSpPr>
             <p:spPr>
               <a:xfrm>
-                <a:off x="1349896" y="693812"/>
+                <a:off x="1656482" y="1184431"/>
                 <a:ext cx="648840" cy="219975"/>
               </a:xfrm>
               <a:prstGeom prst="rect">
@@ -3166,7 +3166,7 @@
             </p:nvSpPr>
             <p:spPr>
               <a:xfrm>
-                <a:off x="2141984" y="693812"/>
+                <a:off x="2448570" y="1184431"/>
                 <a:ext cx="648840" cy="219975"/>
               </a:xfrm>
               <a:prstGeom prst="rect">
@@ -3271,7 +3271,7 @@
             </p:nvSpPr>
             <p:spPr>
               <a:xfrm>
-                <a:off x="2141984" y="693812"/>
+                <a:off x="2448570" y="1184431"/>
                 <a:ext cx="648840" cy="219975"/>
               </a:xfrm>
               <a:prstGeom prst="rect">
@@ -3313,7 +3313,7 @@
             </p:nvSpPr>
             <p:spPr>
               <a:xfrm>
-                <a:off x="2862832" y="693812"/>
+                <a:off x="3169418" y="1184431"/>
                 <a:ext cx="648840" cy="219975"/>
               </a:xfrm>
               <a:prstGeom prst="rect">
@@ -3418,7 +3418,7 @@
             </p:nvSpPr>
             <p:spPr>
               <a:xfrm>
-                <a:off x="2862832" y="693812"/>
+                <a:off x="3169418" y="1184431"/>
                 <a:ext cx="648840" cy="219975"/>
               </a:xfrm>
               <a:prstGeom prst="rect">
@@ -3460,7 +3460,7 @@
             </p:nvSpPr>
             <p:spPr>
               <a:xfrm>
-                <a:off x="1060816" y="1485900"/>
+                <a:off x="1367402" y="1701924"/>
                 <a:ext cx="325141" cy="216024"/>
               </a:xfrm>
               <a:prstGeom prst="roundRect">
@@ -3552,7 +3552,7 @@
             </p:nvSpPr>
             <p:spPr>
               <a:xfrm>
-                <a:off x="1060816" y="1485900"/>
+                <a:off x="1367402" y="1701924"/>
                 <a:ext cx="325141" cy="216024"/>
               </a:xfrm>
               <a:prstGeom prst="roundRect">
@@ -3596,7 +3596,7 @@
         </p:nvCxnSpPr>
         <p:spPr>
           <a:xfrm flipV="1">
-            <a:off x="594917" y="1593912"/>
+            <a:off x="901503" y="1809936"/>
             <a:ext cx="465899" cy="2062"/>
           </a:xfrm>
           <a:prstGeom prst="straightConnector1">
@@ -3635,7 +3635,7 @@
             </p:nvSpPr>
             <p:spPr>
               <a:xfrm>
-                <a:off x="2626438" y="1487962"/>
+                <a:off x="2933024" y="1703986"/>
                 <a:ext cx="325141" cy="216024"/>
               </a:xfrm>
               <a:prstGeom prst="roundRect">
@@ -3727,14 +3727,14 @@
             </p:nvSpPr>
             <p:spPr>
               <a:xfrm>
-                <a:off x="2626438" y="1487962"/>
+                <a:off x="2933024" y="1703986"/>
                 <a:ext cx="325141" cy="216024"/>
               </a:xfrm>
               <a:prstGeom prst="roundRect">
                 <a:avLst/>
               </a:prstGeom>
               <a:blipFill rotWithShape="1">
-                <a:blip r:embed="rId4"/>
+                <a:blip r:embed="rId12"/>
                 <a:stretch>
                   <a:fillRect/>
                 </a:stretch>
@@ -3770,7 +3770,7 @@
             </p:nvSpPr>
             <p:spPr>
               <a:xfrm>
-                <a:off x="269776" y="1487962"/>
+                <a:off x="576362" y="1703986"/>
                 <a:ext cx="325141" cy="216024"/>
               </a:xfrm>
               <a:prstGeom prst="roundRect">
@@ -3837,7 +3837,7 @@
             </p:nvSpPr>
             <p:spPr>
               <a:xfrm>
-                <a:off x="269776" y="1487962"/>
+                <a:off x="576362" y="1703986"/>
                 <a:ext cx="325141" cy="216024"/>
               </a:xfrm>
               <a:prstGeom prst="roundRect">
@@ -3881,7 +3881,7 @@
         </p:nvCxnSpPr>
         <p:spPr>
           <a:xfrm>
-            <a:off x="1385957" y="1593912"/>
+            <a:off x="1692543" y="1809936"/>
             <a:ext cx="1240481" cy="2062"/>
           </a:xfrm>
           <a:prstGeom prst="straightConnector1">
@@ -3920,7 +3920,7 @@
             </p:nvSpPr>
             <p:spPr>
               <a:xfrm>
-                <a:off x="3381417" y="1489938"/>
+                <a:off x="3688003" y="1705962"/>
                 <a:ext cx="325141" cy="216024"/>
               </a:xfrm>
               <a:prstGeom prst="roundRect">
@@ -3987,14 +3987,14 @@
             </p:nvSpPr>
             <p:spPr>
               <a:xfrm>
-                <a:off x="3381417" y="1489938"/>
+                <a:off x="3688003" y="1705962"/>
                 <a:ext cx="325141" cy="216024"/>
               </a:xfrm>
               <a:prstGeom prst="roundRect">
                 <a:avLst/>
               </a:prstGeom>
               <a:blipFill rotWithShape="1">
-                <a:blip r:embed="rId12"/>
+                <a:blip r:embed="rId5"/>
                 <a:stretch>
                   <a:fillRect/>
                 </a:stretch>
@@ -4031,7 +4031,7 @@
         </p:nvCxnSpPr>
         <p:spPr>
           <a:xfrm>
-            <a:off x="2951579" y="1595974"/>
+            <a:off x="3258165" y="1811998"/>
             <a:ext cx="429838" cy="1976"/>
           </a:xfrm>
           <a:prstGeom prst="straightConnector1">
@@ -4070,7 +4070,7 @@
             </p:nvSpPr>
             <p:spPr>
               <a:xfrm>
-                <a:off x="1493912" y="1697327"/>
+                <a:off x="1800498" y="1913351"/>
                 <a:ext cx="1036271" cy="205100"/>
               </a:xfrm>
               <a:prstGeom prst="rect">
@@ -4168,7 +4168,7 @@
             </p:nvSpPr>
             <p:spPr>
               <a:xfrm>
-                <a:off x="1493912" y="1697327"/>
+                <a:off x="1800498" y="1913351"/>
                 <a:ext cx="1036271" cy="205100"/>
               </a:xfrm>
               <a:prstGeom prst="rect">
@@ -4210,7 +4210,7 @@
             </p:nvSpPr>
             <p:spPr>
               <a:xfrm>
-                <a:off x="519500" y="1697973"/>
+                <a:off x="826086" y="1913997"/>
                 <a:ext cx="648840" cy="219975"/>
               </a:xfrm>
               <a:prstGeom prst="rect">
@@ -4315,14 +4315,14 @@
             </p:nvSpPr>
             <p:spPr>
               <a:xfrm>
-                <a:off x="519500" y="1697973"/>
+                <a:off x="826086" y="1913997"/>
                 <a:ext cx="648840" cy="219975"/>
               </a:xfrm>
               <a:prstGeom prst="rect">
                 <a:avLst/>
               </a:prstGeom>
               <a:blipFill rotWithShape="1">
-                <a:blip r:embed="rId14"/>
+                <a:blip r:embed="rId6"/>
                 <a:stretch>
                   <a:fillRect b="-2778"/>
                 </a:stretch>
@@ -4357,7 +4357,7 @@
             </p:nvSpPr>
             <p:spPr>
               <a:xfrm>
-                <a:off x="2861296" y="1697973"/>
+                <a:off x="3167882" y="1913997"/>
                 <a:ext cx="648840" cy="219975"/>
               </a:xfrm>
               <a:prstGeom prst="rect">
@@ -4462,14 +4462,14 @@
             </p:nvSpPr>
             <p:spPr>
               <a:xfrm>
-                <a:off x="2861296" y="1697973"/>
+                <a:off x="3167882" y="1913997"/>
                 <a:ext cx="648840" cy="219975"/>
               </a:xfrm>
               <a:prstGeom prst="rect">
                 <a:avLst/>
               </a:prstGeom>
               <a:blipFill rotWithShape="1">
-                <a:blip r:embed="rId15"/>
+                <a:blip r:embed="rId10"/>
                 <a:stretch>
                   <a:fillRect b="-2778"/>
                 </a:stretch>
